--- a/Lectures/5.Compiling_and_linking/Lecture5.pptx
+++ b/Lectures/5.Compiling_and_linking/Lecture5.pptx
@@ -243,7 +243,7 @@
           <a:p>
             <a:fld id="{8A70136C-4900-4139-A65E-0FFE21BA8660}" type="datetimeFigureOut">
               <a:rPr lang="en-US" smtClean="0"/>
-              <a:t>11/16/2025</a:t>
+              <a:t>11/19/2025</a:t>
             </a:fld>
             <a:endParaRPr lang="en-US"/>
           </a:p>
@@ -4848,7 +4848,11 @@
           <a:p>
             <a:r>
               <a:rPr lang="ru-RU" dirty="0"/>
-              <a:t>Лекция 4</a:t>
+              <a:t>Лекция </a:t>
+            </a:r>
+            <a:r>
+              <a:rPr lang="en-US" dirty="0"/>
+              <a:t>5</a:t>
             </a:r>
             <a:br>
               <a:rPr lang="ru-RU" dirty="0"/>
